--- a/09News/06History/2021.pptx
+++ b/09News/06History/2021.pptx
@@ -237,7 +237,7 @@
           <a:p>
             <a:fld id="{E8CF71B8-DF2A-2E41-BE66-2E18A767DA8A}" type="datetimeFigureOut">
               <a:rPr lang="en-US" smtClean="0"/>
-              <a:t>1/27/25</a:t>
+              <a:t>1/29/25</a:t>
             </a:fld>
             <a:endParaRPr lang="en-US"/>
           </a:p>
@@ -414,7 +414,7 @@
           <a:p>
             <a:fld id="{0DD60A27-BF12-6744-9E93-932A0E34D8BB}" type="datetimeFigureOut">
               <a:rPr lang="en-US" smtClean="0"/>
-              <a:t>1/27/25</a:t>
+              <a:t>1/29/25</a:t>
             </a:fld>
             <a:endParaRPr lang="en-US"/>
           </a:p>
@@ -33635,6 +33635,121 @@
           </a:p>
         </p:txBody>
       </p:sp>
+      <p:sp>
+        <p:nvSpPr>
+          <p:cNvPr id="2" name="文本框 1">
+            <a:extLst>
+              <a:ext uri="{FF2B5EF4-FFF2-40B4-BE49-F238E27FC236}">
+                <a16:creationId xmlns:a16="http://schemas.microsoft.com/office/drawing/2014/main" id="{24731169-9262-8DA3-8BE8-0E34211D6F45}"/>
+              </a:ext>
+            </a:extLst>
+          </p:cNvPr>
+          <p:cNvSpPr txBox="1"/>
+          <p:nvPr/>
+        </p:nvSpPr>
+        <p:spPr>
+          <a:xfrm>
+            <a:off x="3920359" y="3152001"/>
+            <a:ext cx="5321841" cy="276999"/>
+          </a:xfrm>
+          <a:prstGeom prst="rect">
+            <a:avLst/>
+          </a:prstGeom>
+          <a:noFill/>
+        </p:spPr>
+        <p:txBody>
+          <a:bodyPr wrap="none" rtlCol="0">
+            <a:spAutoFit/>
+          </a:bodyPr>
+          <a:lstStyle/>
+          <a:p>
+            <a:r>
+              <a:rPr kumimoji="1" lang="en" altLang="zh-CN" sz="1200" dirty="0">
+                <a:solidFill>
+                  <a:srgbClr val="0432FF"/>
+                </a:solidFill>
+              </a:rPr>
+              <a:t>https://</a:t>
+            </a:r>
+            <a:r>
+              <a:rPr kumimoji="1" lang="en" altLang="zh-CN" sz="1200" dirty="0" err="1">
+                <a:solidFill>
+                  <a:srgbClr val="0432FF"/>
+                </a:solidFill>
+              </a:rPr>
+              <a:t>www.youtube.com</a:t>
+            </a:r>
+            <a:r>
+              <a:rPr kumimoji="1" lang="en" altLang="zh-CN" sz="1200" dirty="0">
+                <a:solidFill>
+                  <a:srgbClr val="0432FF"/>
+                </a:solidFill>
+              </a:rPr>
+              <a:t>/</a:t>
+            </a:r>
+            <a:r>
+              <a:rPr kumimoji="1" lang="en" altLang="zh-CN" sz="1200" dirty="0" err="1">
+                <a:solidFill>
+                  <a:srgbClr val="0432FF"/>
+                </a:solidFill>
+              </a:rPr>
+              <a:t>watch?v</a:t>
+            </a:r>
+            <a:r>
+              <a:rPr kumimoji="1" lang="en" altLang="zh-CN" sz="1200" dirty="0">
+                <a:solidFill>
+                  <a:srgbClr val="0432FF"/>
+                </a:solidFill>
+              </a:rPr>
+              <a:t>=hA_-MkU0Nfw&amp;pp=ygUFV2F5bW8%3D</a:t>
+            </a:r>
+            <a:endParaRPr kumimoji="1" lang="zh-CN" altLang="en-US" sz="1200" dirty="0">
+              <a:solidFill>
+                <a:srgbClr val="0432FF"/>
+              </a:solidFill>
+            </a:endParaRPr>
+          </a:p>
+        </p:txBody>
+      </p:sp>
+      <p:sp>
+        <p:nvSpPr>
+          <p:cNvPr id="6" name="文本框 5">
+            <a:extLst>
+              <a:ext uri="{FF2B5EF4-FFF2-40B4-BE49-F238E27FC236}">
+                <a16:creationId xmlns:a16="http://schemas.microsoft.com/office/drawing/2014/main" id="{32211244-56E7-003A-E485-7C74E1B3ACEC}"/>
+              </a:ext>
+            </a:extLst>
+          </p:cNvPr>
+          <p:cNvSpPr txBox="1"/>
+          <p:nvPr/>
+        </p:nvSpPr>
+        <p:spPr>
+          <a:xfrm>
+            <a:off x="2445459" y="5057093"/>
+            <a:ext cx="8271640" cy="276999"/>
+          </a:xfrm>
+          <a:prstGeom prst="rect">
+            <a:avLst/>
+          </a:prstGeom>
+          <a:noFill/>
+        </p:spPr>
+        <p:txBody>
+          <a:bodyPr wrap="square">
+            <a:spAutoFit/>
+          </a:bodyPr>
+          <a:lstStyle/>
+          <a:p>
+            <a:r>
+              <a:rPr lang="zh-CN" altLang="en-US" sz="1200" dirty="0">
+                <a:solidFill>
+                  <a:srgbClr val="0432FF"/>
+                </a:solidFill>
+              </a:rPr>
+              <a:t>https://www.youtube.com/watch?v=lrZV4XVaSi4&amp;pp=ygUMYmFpZHUgQXBvbGxv</a:t>
+            </a:r>
+          </a:p>
+        </p:txBody>
+      </p:sp>
     </p:spTree>
     <p:extLst>
       <p:ext uri="{BB962C8B-B14F-4D97-AF65-F5344CB8AC3E}">
@@ -34053,6 +34168,84 @@
               <a:rPr lang="zh-CN" altLang="en-US" dirty="0"/>
             </a:br>
             <a:endParaRPr lang="zh-CN" altLang="en-US" dirty="0"/>
+          </a:p>
+        </p:txBody>
+      </p:sp>
+      <p:sp>
+        <p:nvSpPr>
+          <p:cNvPr id="3" name="文本框 2">
+            <a:extLst>
+              <a:ext uri="{FF2B5EF4-FFF2-40B4-BE49-F238E27FC236}">
+                <a16:creationId xmlns:a16="http://schemas.microsoft.com/office/drawing/2014/main" id="{395D73A0-210D-E844-9E7B-B9E73AB3862A}"/>
+              </a:ext>
+            </a:extLst>
+          </p:cNvPr>
+          <p:cNvSpPr txBox="1"/>
+          <p:nvPr/>
+        </p:nvSpPr>
+        <p:spPr>
+          <a:xfrm>
+            <a:off x="3301488" y="1468848"/>
+            <a:ext cx="8271640" cy="276999"/>
+          </a:xfrm>
+          <a:prstGeom prst="rect">
+            <a:avLst/>
+          </a:prstGeom>
+          <a:noFill/>
+        </p:spPr>
+        <p:txBody>
+          <a:bodyPr wrap="square">
+            <a:spAutoFit/>
+          </a:bodyPr>
+          <a:lstStyle/>
+          <a:p>
+            <a:r>
+              <a:rPr lang="zh-CN" altLang="en-US" sz="1200" dirty="0">
+                <a:solidFill>
+                  <a:srgbClr val="0432FF"/>
+                </a:solidFill>
+              </a:rPr>
+              <a:t>https://www.youtube.com/watch?v=L2Jud35UH14&amp;pp=ygUQRmFjZWJvb2sgdG8gTWV0YQ%3D%3D</a:t>
+            </a:r>
+          </a:p>
+        </p:txBody>
+      </p:sp>
+      <p:sp>
+        <p:nvSpPr>
+          <p:cNvPr id="7" name="文本框 6">
+            <a:extLst>
+              <a:ext uri="{FF2B5EF4-FFF2-40B4-BE49-F238E27FC236}">
+                <a16:creationId xmlns:a16="http://schemas.microsoft.com/office/drawing/2014/main" id="{340CC162-575F-CB6B-E71A-292FD5C3BA88}"/>
+              </a:ext>
+            </a:extLst>
+          </p:cNvPr>
+          <p:cNvSpPr txBox="1"/>
+          <p:nvPr/>
+        </p:nvSpPr>
+        <p:spPr>
+          <a:xfrm>
+            <a:off x="2643352" y="5472591"/>
+            <a:ext cx="8271640" cy="276999"/>
+          </a:xfrm>
+          <a:prstGeom prst="rect">
+            <a:avLst/>
+          </a:prstGeom>
+          <a:noFill/>
+        </p:spPr>
+        <p:txBody>
+          <a:bodyPr wrap="square">
+            <a:spAutoFit/>
+          </a:bodyPr>
+          <a:lstStyle/>
+          <a:p>
+            <a:r>
+              <a:rPr lang="zh-CN" altLang="en-US" sz="1200" dirty="0">
+                <a:solidFill>
+                  <a:srgbClr val="0432FF"/>
+                </a:solidFill>
+              </a:rPr>
+              <a:t>https://www.youtube.com/watch?v=jFUVZDPrB7U&amp;pp=ygUJTWV0YXZlcnNl</a:t>
+            </a:r>
           </a:p>
         </p:txBody>
       </p:sp>
@@ -34387,6 +34580,45 @@
           </a:p>
           <a:p>
             <a:endParaRPr lang="zh-CN" altLang="en-US" dirty="0"/>
+          </a:p>
+        </p:txBody>
+      </p:sp>
+      <p:sp>
+        <p:nvSpPr>
+          <p:cNvPr id="4" name="文本框 3">
+            <a:extLst>
+              <a:ext uri="{FF2B5EF4-FFF2-40B4-BE49-F238E27FC236}">
+                <a16:creationId xmlns:a16="http://schemas.microsoft.com/office/drawing/2014/main" id="{47027A91-5517-56FF-C973-1FC6CB721786}"/>
+              </a:ext>
+            </a:extLst>
+          </p:cNvPr>
+          <p:cNvSpPr txBox="1"/>
+          <p:nvPr/>
+        </p:nvSpPr>
+        <p:spPr>
+          <a:xfrm>
+            <a:off x="1802525" y="1382900"/>
+            <a:ext cx="8271640" cy="461665"/>
+          </a:xfrm>
+          <a:prstGeom prst="rect">
+            <a:avLst/>
+          </a:prstGeom>
+          <a:noFill/>
+        </p:spPr>
+        <p:txBody>
+          <a:bodyPr wrap="square">
+            <a:spAutoFit/>
+          </a:bodyPr>
+          <a:lstStyle/>
+          <a:p>
+            <a:r>
+              <a:rPr lang="zh-CN" altLang="en-US" sz="1200" dirty="0">
+                <a:solidFill>
+                  <a:srgbClr val="0432FF"/>
+                </a:solidFill>
+              </a:rPr>
+              <a:t>https://www.youtube.com/watch?v=VqFqWIqOB1g&amp;pp=ygU_TmV3IGdlbmVyYXRpb24gb2YgZXRoaWNhbCBzdGFuZGFyZHMgZm9yIGFydGlmaWNpYWwgaW50ZWxsaWdlbmNl</a:t>
+            </a:r>
           </a:p>
         </p:txBody>
       </p:sp>
@@ -35033,6 +35265,45 @@
           </a:p>
         </p:txBody>
       </p:sp>
+      <p:sp>
+        <p:nvSpPr>
+          <p:cNvPr id="5" name="文本框 4">
+            <a:extLst>
+              <a:ext uri="{FF2B5EF4-FFF2-40B4-BE49-F238E27FC236}">
+                <a16:creationId xmlns:a16="http://schemas.microsoft.com/office/drawing/2014/main" id="{3134192B-40DC-E5E7-012F-EF8DB0538041}"/>
+              </a:ext>
+            </a:extLst>
+          </p:cNvPr>
+          <p:cNvSpPr txBox="1"/>
+          <p:nvPr/>
+        </p:nvSpPr>
+        <p:spPr>
+          <a:xfrm>
+            <a:off x="1969551" y="1426807"/>
+            <a:ext cx="8271640" cy="276999"/>
+          </a:xfrm>
+          <a:prstGeom prst="rect">
+            <a:avLst/>
+          </a:prstGeom>
+          <a:noFill/>
+        </p:spPr>
+        <p:txBody>
+          <a:bodyPr wrap="square">
+            <a:spAutoFit/>
+          </a:bodyPr>
+          <a:lstStyle/>
+          <a:p>
+            <a:r>
+              <a:rPr lang="zh-CN" altLang="en-US" sz="1200" dirty="0">
+                <a:solidFill>
+                  <a:srgbClr val="0432FF"/>
+                </a:solidFill>
+              </a:rPr>
+              <a:t>https://www.youtube.com/watch?v=gg7WjuFs8F4&amp;t=181s&amp;pp=ygUTZGVlcG1pbmQgYWxwaGFmb2xkMg%3D%3D</a:t>
+            </a:r>
+          </a:p>
+        </p:txBody>
+      </p:sp>
     </p:spTree>
     <p:extLst>
       <p:ext uri="{BB962C8B-B14F-4D97-AF65-F5344CB8AC3E}">
@@ -35281,6 +35552,84 @@
             <a:r>
               <a:rPr lang="zh-CN" altLang="en-US" dirty="0"/>
               <a:t>技术研发上的实力和雄心。</a:t>
+            </a:r>
+          </a:p>
+        </p:txBody>
+      </p:sp>
+      <p:sp>
+        <p:nvSpPr>
+          <p:cNvPr id="5" name="文本框 4">
+            <a:extLst>
+              <a:ext uri="{FF2B5EF4-FFF2-40B4-BE49-F238E27FC236}">
+                <a16:creationId xmlns:a16="http://schemas.microsoft.com/office/drawing/2014/main" id="{494764F8-74B7-9055-FAFD-6B1726FE2E07}"/>
+              </a:ext>
+            </a:extLst>
+          </p:cNvPr>
+          <p:cNvSpPr txBox="1"/>
+          <p:nvPr/>
+        </p:nvSpPr>
+        <p:spPr>
+          <a:xfrm>
+            <a:off x="3389587" y="1426807"/>
+            <a:ext cx="8271640" cy="276999"/>
+          </a:xfrm>
+          <a:prstGeom prst="rect">
+            <a:avLst/>
+          </a:prstGeom>
+          <a:noFill/>
+        </p:spPr>
+        <p:txBody>
+          <a:bodyPr wrap="square">
+            <a:spAutoFit/>
+          </a:bodyPr>
+          <a:lstStyle/>
+          <a:p>
+            <a:r>
+              <a:rPr lang="zh-CN" altLang="en-US" sz="1200" dirty="0">
+                <a:solidFill>
+                  <a:srgbClr val="0432FF"/>
+                </a:solidFill>
+              </a:rPr>
+              <a:t>https://www.youtube.com/watch?v=t45S_MwAcOw&amp;pp=ygUaZ29vZ2xlIFN3aXRjaCBUcmFuc2Zvcm1lcnM%3D</a:t>
+            </a:r>
+          </a:p>
+        </p:txBody>
+      </p:sp>
+      <p:sp>
+        <p:nvSpPr>
+          <p:cNvPr id="7" name="文本框 6">
+            <a:extLst>
+              <a:ext uri="{FF2B5EF4-FFF2-40B4-BE49-F238E27FC236}">
+                <a16:creationId xmlns:a16="http://schemas.microsoft.com/office/drawing/2014/main" id="{18190EB9-CEC3-00B7-D95B-5B36DB3F0DB9}"/>
+              </a:ext>
+            </a:extLst>
+          </p:cNvPr>
+          <p:cNvSpPr txBox="1"/>
+          <p:nvPr/>
+        </p:nvSpPr>
+        <p:spPr>
+          <a:xfrm>
+            <a:off x="2632841" y="3523995"/>
+            <a:ext cx="8271640" cy="276999"/>
+          </a:xfrm>
+          <a:prstGeom prst="rect">
+            <a:avLst/>
+          </a:prstGeom>
+          <a:noFill/>
+        </p:spPr>
+        <p:txBody>
+          <a:bodyPr wrap="square">
+            <a:spAutoFit/>
+          </a:bodyPr>
+          <a:lstStyle/>
+          <a:p>
+            <a:r>
+              <a:rPr lang="zh-CN" altLang="en-US" sz="1200" dirty="0">
+                <a:solidFill>
+                  <a:srgbClr val="0432FF"/>
+                </a:solidFill>
+              </a:rPr>
+              <a:t>https://www.youtube.com/watch?v=LyP__IVxn5s&amp;pp=ygUJV3VEYW8gMi4w</a:t>
             </a:r>
           </a:p>
         </p:txBody>
@@ -35552,6 +35901,235 @@
               <a:rPr lang="zh-CN" altLang="en-US" dirty="0"/>
               <a:t>的重要里程碑。</a:t>
             </a:r>
+          </a:p>
+        </p:txBody>
+      </p:sp>
+      <p:sp>
+        <p:nvSpPr>
+          <p:cNvPr id="4" name="文本框 3">
+            <a:extLst>
+              <a:ext uri="{FF2B5EF4-FFF2-40B4-BE49-F238E27FC236}">
+                <a16:creationId xmlns:a16="http://schemas.microsoft.com/office/drawing/2014/main" id="{A5E7A81B-A351-C23D-BAC2-30619F7B9760}"/>
+              </a:ext>
+            </a:extLst>
+          </p:cNvPr>
+          <p:cNvSpPr txBox="1"/>
+          <p:nvPr/>
+        </p:nvSpPr>
+        <p:spPr>
+          <a:xfrm>
+            <a:off x="2349062" y="1426808"/>
+            <a:ext cx="8271640" cy="461665"/>
+          </a:xfrm>
+          <a:prstGeom prst="rect">
+            <a:avLst/>
+          </a:prstGeom>
+          <a:noFill/>
+        </p:spPr>
+        <p:txBody>
+          <a:bodyPr wrap="square">
+            <a:spAutoFit/>
+          </a:bodyPr>
+          <a:lstStyle/>
+          <a:p>
+            <a:r>
+              <a:rPr lang="zh-CN" altLang="en-US" sz="1200" dirty="0">
+                <a:solidFill>
+                  <a:srgbClr val="0432FF"/>
+                </a:solidFill>
+                <a:hlinkClick r:id="rId2"/>
+              </a:rPr>
+              <a:t>https://www.youtube.com/watch?v=GLa7z5rkSf4&amp;pp=ygULT3BlbkFJIENMSVA%3D</a:t>
+            </a:r>
+            <a:endParaRPr lang="en-US" altLang="zh-CN" sz="1200" dirty="0">
+              <a:solidFill>
+                <a:srgbClr val="0432FF"/>
+              </a:solidFill>
+            </a:endParaRPr>
+          </a:p>
+          <a:p>
+            <a:r>
+              <a:rPr lang="en" altLang="zh-CN" sz="1200" dirty="0">
+                <a:solidFill>
+                  <a:srgbClr val="0432FF"/>
+                </a:solidFill>
+                <a:hlinkClick r:id="rId3"/>
+              </a:rPr>
+              <a:t>https://openai.com/index/clip/</a:t>
+            </a:r>
+            <a:endParaRPr lang="en-US" altLang="zh-CN" sz="1200" dirty="0">
+              <a:solidFill>
+                <a:srgbClr val="0432FF"/>
+              </a:solidFill>
+            </a:endParaRPr>
+          </a:p>
+        </p:txBody>
+      </p:sp>
+      <p:sp>
+        <p:nvSpPr>
+          <p:cNvPr id="6" name="文本框 5">
+            <a:extLst>
+              <a:ext uri="{FF2B5EF4-FFF2-40B4-BE49-F238E27FC236}">
+                <a16:creationId xmlns:a16="http://schemas.microsoft.com/office/drawing/2014/main" id="{0365718C-4DB8-F4D3-E6DC-6B0C45C9A920}"/>
+              </a:ext>
+            </a:extLst>
+          </p:cNvPr>
+          <p:cNvSpPr txBox="1"/>
+          <p:nvPr/>
+        </p:nvSpPr>
+        <p:spPr>
+          <a:xfrm>
+            <a:off x="1770993" y="2929784"/>
+            <a:ext cx="8271640" cy="461665"/>
+          </a:xfrm>
+          <a:prstGeom prst="rect">
+            <a:avLst/>
+          </a:prstGeom>
+          <a:noFill/>
+        </p:spPr>
+        <p:txBody>
+          <a:bodyPr wrap="square">
+            <a:spAutoFit/>
+          </a:bodyPr>
+          <a:lstStyle/>
+          <a:p>
+            <a:r>
+              <a:rPr lang="zh-CN" altLang="en-US" sz="1200" dirty="0">
+                <a:solidFill>
+                  <a:srgbClr val="0432FF"/>
+                </a:solidFill>
+                <a:hlinkClick r:id="rId4"/>
+              </a:rPr>
+              <a:t>https://openai.com/index/dall-e/</a:t>
+            </a:r>
+            <a:endParaRPr lang="en-US" altLang="zh-CN" sz="1200" dirty="0">
+              <a:solidFill>
+                <a:srgbClr val="0432FF"/>
+              </a:solidFill>
+            </a:endParaRPr>
+          </a:p>
+          <a:p>
+            <a:r>
+              <a:rPr lang="en" altLang="zh-CN" sz="1200" dirty="0">
+                <a:solidFill>
+                  <a:srgbClr val="0432FF"/>
+                </a:solidFill>
+              </a:rPr>
+              <a:t>https://</a:t>
+            </a:r>
+            <a:r>
+              <a:rPr lang="en" altLang="zh-CN" sz="1200" dirty="0" err="1">
+                <a:solidFill>
+                  <a:srgbClr val="0432FF"/>
+                </a:solidFill>
+              </a:rPr>
+              <a:t>www.youtube.com</a:t>
+            </a:r>
+            <a:r>
+              <a:rPr lang="en" altLang="zh-CN" sz="1200" dirty="0">
+                <a:solidFill>
+                  <a:srgbClr val="0432FF"/>
+                </a:solidFill>
+              </a:rPr>
+              <a:t>/</a:t>
+            </a:r>
+            <a:r>
+              <a:rPr lang="en" altLang="zh-CN" sz="1200" dirty="0" err="1">
+                <a:solidFill>
+                  <a:srgbClr val="0432FF"/>
+                </a:solidFill>
+              </a:rPr>
+              <a:t>watch?v</a:t>
+            </a:r>
+            <a:r>
+              <a:rPr lang="en" altLang="zh-CN" sz="1200" dirty="0">
+                <a:solidFill>
+                  <a:srgbClr val="0432FF"/>
+                </a:solidFill>
+              </a:rPr>
+              <a:t>=0al5umjxij0&amp;pp=ygUQT3BlbkFJIERBTEzCt0UgMQ%3D%3D</a:t>
+            </a:r>
+            <a:endParaRPr lang="zh-CN" altLang="en-US" sz="1200" dirty="0">
+              <a:solidFill>
+                <a:srgbClr val="0432FF"/>
+              </a:solidFill>
+            </a:endParaRPr>
+          </a:p>
+        </p:txBody>
+      </p:sp>
+      <p:sp>
+        <p:nvSpPr>
+          <p:cNvPr id="7" name="文本框 6">
+            <a:extLst>
+              <a:ext uri="{FF2B5EF4-FFF2-40B4-BE49-F238E27FC236}">
+                <a16:creationId xmlns:a16="http://schemas.microsoft.com/office/drawing/2014/main" id="{52D396F9-9E01-CFA0-C447-EAE6EC9A7C4B}"/>
+              </a:ext>
+            </a:extLst>
+          </p:cNvPr>
+          <p:cNvSpPr txBox="1"/>
+          <p:nvPr/>
+        </p:nvSpPr>
+        <p:spPr>
+          <a:xfrm>
+            <a:off x="2669622" y="4935824"/>
+            <a:ext cx="6857518" cy="276999"/>
+          </a:xfrm>
+          <a:prstGeom prst="rect">
+            <a:avLst/>
+          </a:prstGeom>
+          <a:noFill/>
+        </p:spPr>
+        <p:txBody>
+          <a:bodyPr wrap="none" rtlCol="0">
+            <a:spAutoFit/>
+          </a:bodyPr>
+          <a:lstStyle/>
+          <a:p>
+            <a:r>
+              <a:rPr kumimoji="1" lang="en" altLang="zh-CN" sz="1200" dirty="0">
+                <a:solidFill>
+                  <a:srgbClr val="0432FF"/>
+                </a:solidFill>
+              </a:rPr>
+              <a:t>https://</a:t>
+            </a:r>
+            <a:r>
+              <a:rPr kumimoji="1" lang="en" altLang="zh-CN" sz="1200" dirty="0" err="1">
+                <a:solidFill>
+                  <a:srgbClr val="0432FF"/>
+                </a:solidFill>
+              </a:rPr>
+              <a:t>www.youtube.com</a:t>
+            </a:r>
+            <a:r>
+              <a:rPr kumimoji="1" lang="en" altLang="zh-CN" sz="1200" dirty="0">
+                <a:solidFill>
+                  <a:srgbClr val="0432FF"/>
+                </a:solidFill>
+              </a:rPr>
+              <a:t>/</a:t>
+            </a:r>
+            <a:r>
+              <a:rPr kumimoji="1" lang="en" altLang="zh-CN" sz="1200" dirty="0" err="1">
+                <a:solidFill>
+                  <a:srgbClr val="0432FF"/>
+                </a:solidFill>
+              </a:rPr>
+              <a:t>watch?v</a:t>
+            </a:r>
+            <a:r>
+              <a:rPr kumimoji="1" lang="en" altLang="zh-CN" sz="1200" dirty="0">
+                <a:solidFill>
+                  <a:srgbClr val="0432FF"/>
+                </a:solidFill>
+              </a:rPr>
+              <a:t>=2NYXwetrQtc&amp;pp=ygUQU3RhYmxlIERpZmZ1c2lvbg%3D%3D</a:t>
+            </a:r>
+            <a:endParaRPr kumimoji="1" lang="zh-CN" altLang="en-US" sz="1200" dirty="0">
+              <a:solidFill>
+                <a:srgbClr val="0432FF"/>
+              </a:solidFill>
+            </a:endParaRPr>
           </a:p>
         </p:txBody>
       </p:sp>
@@ -36192,6 +36770,84 @@
           </a:p>
         </p:txBody>
       </p:sp>
+      <p:sp>
+        <p:nvSpPr>
+          <p:cNvPr id="3" name="文本框 2">
+            <a:extLst>
+              <a:ext uri="{FF2B5EF4-FFF2-40B4-BE49-F238E27FC236}">
+                <a16:creationId xmlns:a16="http://schemas.microsoft.com/office/drawing/2014/main" id="{4FA7B6F6-B28B-1A0B-233D-FE45BFD2347C}"/>
+              </a:ext>
+            </a:extLst>
+          </p:cNvPr>
+          <p:cNvSpPr txBox="1"/>
+          <p:nvPr/>
+        </p:nvSpPr>
+        <p:spPr>
+          <a:xfrm>
+            <a:off x="2096815" y="3800994"/>
+            <a:ext cx="8271640" cy="276999"/>
+          </a:xfrm>
+          <a:prstGeom prst="rect">
+            <a:avLst/>
+          </a:prstGeom>
+          <a:noFill/>
+        </p:spPr>
+        <p:txBody>
+          <a:bodyPr wrap="square">
+            <a:spAutoFit/>
+          </a:bodyPr>
+          <a:lstStyle/>
+          <a:p>
+            <a:r>
+              <a:rPr lang="zh-CN" altLang="en-US" sz="1200" dirty="0">
+                <a:solidFill>
+                  <a:srgbClr val="0432FF"/>
+                </a:solidFill>
+              </a:rPr>
+              <a:t>https://www.youtube.com/watch?v=gT59YOdch8M&amp;pp=ygUSbnZpZGlhIEFtcGVyZSBBMTAw</a:t>
+            </a:r>
+          </a:p>
+        </p:txBody>
+      </p:sp>
+      <p:sp>
+        <p:nvSpPr>
+          <p:cNvPr id="7" name="文本框 6">
+            <a:extLst>
+              <a:ext uri="{FF2B5EF4-FFF2-40B4-BE49-F238E27FC236}">
+                <a16:creationId xmlns:a16="http://schemas.microsoft.com/office/drawing/2014/main" id="{833E3C12-8EE6-9CEF-BB3C-ED56F9108910}"/>
+              </a:ext>
+            </a:extLst>
+          </p:cNvPr>
+          <p:cNvSpPr txBox="1"/>
+          <p:nvPr/>
+        </p:nvSpPr>
+        <p:spPr>
+          <a:xfrm>
+            <a:off x="2559269" y="4939537"/>
+            <a:ext cx="8271640" cy="276999"/>
+          </a:xfrm>
+          <a:prstGeom prst="rect">
+            <a:avLst/>
+          </a:prstGeom>
+          <a:noFill/>
+        </p:spPr>
+        <p:txBody>
+          <a:bodyPr wrap="square">
+            <a:spAutoFit/>
+          </a:bodyPr>
+          <a:lstStyle/>
+          <a:p>
+            <a:r>
+              <a:rPr lang="zh-CN" altLang="en-US" sz="1200" dirty="0">
+                <a:solidFill>
+                  <a:srgbClr val="0432FF"/>
+                </a:solidFill>
+              </a:rPr>
+              <a:t>https://www.youtube.com/watch?v=XoWW5HiGHsg&amp;pp=ygUYbnZpZGlhIEpldHNvbiBBR1ggWGF2aWVy</a:t>
+            </a:r>
+          </a:p>
+        </p:txBody>
+      </p:sp>
     </p:spTree>
     <p:extLst>
       <p:ext uri="{BB962C8B-B14F-4D97-AF65-F5344CB8AC3E}">
@@ -36438,6 +37094,45 @@
               <a:t> 应用落地抱有期待。</a:t>
             </a:r>
             <a:endParaRPr lang="en-US" altLang="zh-CN" dirty="0"/>
+          </a:p>
+        </p:txBody>
+      </p:sp>
+      <p:sp>
+        <p:nvSpPr>
+          <p:cNvPr id="3" name="文本框 2">
+            <a:extLst>
+              <a:ext uri="{FF2B5EF4-FFF2-40B4-BE49-F238E27FC236}">
+                <a16:creationId xmlns:a16="http://schemas.microsoft.com/office/drawing/2014/main" id="{F9075074-D56B-59FA-0CC6-85FD41209A05}"/>
+              </a:ext>
+            </a:extLst>
+          </p:cNvPr>
+          <p:cNvSpPr txBox="1"/>
+          <p:nvPr/>
+        </p:nvSpPr>
+        <p:spPr>
+          <a:xfrm>
+            <a:off x="2201918" y="1479359"/>
+            <a:ext cx="8271640" cy="276999"/>
+          </a:xfrm>
+          <a:prstGeom prst="rect">
+            <a:avLst/>
+          </a:prstGeom>
+          <a:noFill/>
+        </p:spPr>
+        <p:txBody>
+          <a:bodyPr wrap="square">
+            <a:spAutoFit/>
+          </a:bodyPr>
+          <a:lstStyle/>
+          <a:p>
+            <a:r>
+              <a:rPr lang="zh-CN" altLang="en-US" sz="1200" dirty="0">
+                <a:solidFill>
+                  <a:srgbClr val="0432FF"/>
+                </a:solidFill>
+              </a:rPr>
+              <a:t>https://www.youtube.com/watch?v=a2m6dFVyLss&amp;pp=ygUPdGVuY2VudCBhaSBjaGlw</a:t>
+            </a:r>
           </a:p>
         </p:txBody>
       </p:sp>
